--- a/PresentationSlides/Intro Video Slides.pptx
+++ b/PresentationSlides/Intro Video Slides.pptx
@@ -255,7 +255,7 @@
           <c:layoutTarget val="inner"/>
           <c:xMode val="edge"/>
           <c:yMode val="edge"/>
-          <c:x val="7.098297204828008E-2"/>
+          <c:x val="7.0982972048280094E-2"/>
           <c:y val="0.15217783578566099"/>
           <c:w val="0.88846019915959706"/>
           <c:h val="0.84782216421433898"/>
@@ -641,24 +641,24 @@
           </c:val>
         </c:ser>
         <c:overlap val="100"/>
-        <c:axId val="122735616"/>
-        <c:axId val="131589248"/>
+        <c:axId val="171746816"/>
+        <c:axId val="171748352"/>
       </c:barChart>
       <c:catAx>
-        <c:axId val="122735616"/>
+        <c:axId val="171746816"/>
         <c:scaling>
           <c:orientation val="maxMin"/>
         </c:scaling>
         <c:axPos val="l"/>
         <c:tickLblPos val="nextTo"/>
-        <c:crossAx val="131589248"/>
+        <c:crossAx val="171748352"/>
         <c:crosses val="autoZero"/>
         <c:auto val="1"/>
         <c:lblAlgn val="ctr"/>
         <c:lblOffset val="100"/>
       </c:catAx>
       <c:valAx>
-        <c:axId val="131589248"/>
+        <c:axId val="171748352"/>
         <c:scaling>
           <c:orientation val="minMax"/>
           <c:min val="42037"/>
@@ -667,7 +667,7 @@
         <c:majorGridlines/>
         <c:numFmt formatCode="m/d/yy;@" sourceLinked="0"/>
         <c:tickLblPos val="nextTo"/>
-        <c:crossAx val="122735616"/>
+        <c:crossAx val="171746816"/>
         <c:crosses val="autoZero"/>
         <c:crossBetween val="between"/>
       </c:valAx>
@@ -1168,7 +1168,7 @@
     </p:spTree>
     <p:extLst>
       <p:ext uri="{BB962C8B-B14F-4D97-AF65-F5344CB8AC3E}">
-        <p14:creationId xmlns="" xmlns:p14="http://schemas.microsoft.com/office/powerpoint/2010/main" val="4196165097"/>
+        <p14:creationId xmlns:p14="http://schemas.microsoft.com/office/powerpoint/2010/main" xmlns="" val="4196165097"/>
       </p:ext>
     </p:extLst>
   </p:cSld>
@@ -1568,7 +1568,7 @@
     </p:spTree>
     <p:extLst>
       <p:ext uri="{BB962C8B-B14F-4D97-AF65-F5344CB8AC3E}">
-        <p14:creationId xmlns:p14="http://schemas.microsoft.com/office/powerpoint/2010/main" xmlns="" val="4090326190"/>
+        <p14:creationId xmlns="" xmlns:p14="http://schemas.microsoft.com/office/powerpoint/2010/main" val="4090326190"/>
       </p:ext>
     </p:extLst>
   </p:cSld>
@@ -7419,12 +7419,26 @@
         </p:nvSpPr>
         <p:spPr/>
         <p:txBody>
-          <a:bodyPr/>
+          <a:bodyPr>
+            <a:normAutofit fontScale="90000"/>
+          </a:bodyPr>
           <a:lstStyle/>
           <a:p>
             <a:r>
               <a:rPr lang="en-US" dirty="0" smtClean="0"/>
-              <a:t>Simulate Add Visitors to Rides</a:t>
+              <a:t>Simulate </a:t>
+            </a:r>
+            <a:r>
+              <a:rPr lang="en-US" dirty="0" err="1" smtClean="0"/>
+              <a:t>Dequeue</a:t>
+            </a:r>
+            <a:r>
+              <a:rPr lang="en-US" smtClean="0"/>
+              <a:t> Visitors </a:t>
+            </a:r>
+            <a:r>
+              <a:rPr lang="en-US" dirty="0" smtClean="0"/>
+              <a:t>to Rides</a:t>
             </a:r>
             <a:endParaRPr lang="en-US" dirty="0"/>
           </a:p>
